--- a/Examples/Data/Charts/AsposeChart_out.pptx
+++ b/Examples/Data/Charts/AsposeChart_out.pptx
@@ -1,6 +1,6 @@
 
 <file path=ppt/presentation.xml><?xml version="1.0" encoding="utf-8"?>
-<!--Generated by Aspose.Slides for .NET 19.5-->
+<!--Generated by Aspose.Slides for .NET 19.6-->
 <p:presentation xmlns:r="http://schemas.openxmlformats.org/officeDocument/2006/relationships" xmlns:a="http://schemas.openxmlformats.org/drawingml/2006/main" xmlns:p="http://schemas.openxmlformats.org/presentationml/2006/main" saveSubsetFonts="1">
   <p:sldMasterIdLst>
     <p:sldMasterId id="2147483648" r:id="rId1"/>
@@ -488,7 +488,7 @@
           <a:bodyPr/>
           <a:lstStyle/>
           <a:p>
-            <a:fld id="{71664053-996A-429D-93A0-8F1ABC54E5B3}" type="datetimeFigureOut">
+            <a:fld id="{30911D1E-9814-4ABB-ACC2-A4DEAEFF6CCC}" type="datetimeFigureOut">
               <a:rPr lang="en-US" smtClean="0"/>
               <a:t>11/7/2009</a:t>
             </a:fld>
@@ -652,7 +652,7 @@
           <a:bodyPr/>
           <a:lstStyle/>
           <a:p>
-            <a:fld id="{C3B9B6AD-561D-44F5-92EE-19AACC980291}" type="datetimeFigureOut">
+            <a:fld id="{62655E4F-4988-4D37-922A-1CE211CAD13E}" type="datetimeFigureOut">
               <a:rPr lang="en-US" smtClean="0"/>
               <a:t>11/7/2009</a:t>
             </a:fld>
@@ -816,7 +816,7 @@
           <a:bodyPr/>
           <a:lstStyle/>
           <a:p>
-            <a:fld id="{27237E97-46B7-4655-859F-3E0F21E6907D}" type="datetimeFigureOut">
+            <a:fld id="{E2E7B609-8292-42E6-B03F-99000D327450}" type="datetimeFigureOut">
               <a:rPr lang="en-US" smtClean="0"/>
               <a:t>11/7/2009</a:t>
             </a:fld>
@@ -980,7 +980,7 @@
           <a:bodyPr/>
           <a:lstStyle/>
           <a:p>
-            <a:fld id="{C144995F-9F12-478D-ADB6-C7A9D8E401A2}" type="datetimeFigureOut">
+            <a:fld id="{CB1F5875-8180-4BC2-B831-F715A64C9235}" type="datetimeFigureOut">
               <a:rPr lang="en-US" smtClean="0"/>
               <a:t>11/7/2009</a:t>
             </a:fld>
@@ -1210,7 +1210,7 @@
           <a:bodyPr/>
           <a:lstStyle/>
           <a:p>
-            <a:fld id="{C965F2A0-2996-4B69-858B-3C6AFF0A2E2F}" type="datetimeFigureOut">
+            <a:fld id="{61B225A8-C447-412E-80FE-6ED2363DC73C}" type="datetimeFigureOut">
               <a:rPr lang="en-US" smtClean="0"/>
               <a:t>11/7/2009</a:t>
             </a:fld>
@@ -1481,7 +1481,7 @@
           <a:bodyPr/>
           <a:lstStyle/>
           <a:p>
-            <a:fld id="{34B6CFA1-B838-4AC0-A53D-759C8B895A8B}" type="datetimeFigureOut">
+            <a:fld id="{057E5E8A-CF25-4AE6-9F02-096F09CA7D9F}" type="datetimeFigureOut">
               <a:rPr lang="en-US" smtClean="0"/>
               <a:t>11/7/2009</a:t>
             </a:fld>
@@ -1870,7 +1870,7 @@
           <a:bodyPr/>
           <a:lstStyle/>
           <a:p>
-            <a:fld id="{B7635453-A0B6-4B7F-9C93-D83B718A1E41}" type="datetimeFigureOut">
+            <a:fld id="{19A5D5A7-5E36-49B0-83D6-E902E7B26BCA}" type="datetimeFigureOut">
               <a:rPr lang="en-US" smtClean="0"/>
               <a:t>11/7/2009</a:t>
             </a:fld>
@@ -1983,7 +1983,7 @@
           <a:bodyPr/>
           <a:lstStyle/>
           <a:p>
-            <a:fld id="{E06DD3B5-E157-43D2-AFB3-D2A6D1FBA7E5}" type="datetimeFigureOut">
+            <a:fld id="{7D94FCA5-A769-4313-B8C5-0D2BB69532F5}" type="datetimeFigureOut">
               <a:rPr lang="en-US" smtClean="0"/>
               <a:t>11/7/2009</a:t>
             </a:fld>
@@ -2073,7 +2073,7 @@
           <a:bodyPr/>
           <a:lstStyle/>
           <a:p>
-            <a:fld id="{C4F8F1A4-E17F-48A6-A1B8-B0A5FBC79C88}" type="datetimeFigureOut">
+            <a:fld id="{2E05CD73-C94B-428E-B5DB-5D126C4668EC}" type="datetimeFigureOut">
               <a:rPr lang="en-US" smtClean="0"/>
               <a:t>11/7/2009</a:t>
             </a:fld>
@@ -2328,7 +2328,7 @@
           <a:bodyPr/>
           <a:lstStyle/>
           <a:p>
-            <a:fld id="{0E7408B3-AD20-40E2-A886-F82720FF1F12}" type="datetimeFigureOut">
+            <a:fld id="{A6ADE404-DEB7-4D7C-A6BF-B8E416955937}" type="datetimeFigureOut">
               <a:rPr lang="en-US" smtClean="0"/>
               <a:t>11/7/2009</a:t>
             </a:fld>
@@ -2560,7 +2560,7 @@
           <a:bodyPr/>
           <a:lstStyle/>
           <a:p>
-            <a:fld id="{F099F194-DB12-40B3-9076-F790EBBD36D5}" type="datetimeFigureOut">
+            <a:fld id="{D698E351-1A09-4185-BEB3-9EFB175DDEB0}" type="datetimeFigureOut">
               <a:rPr lang="en-US" smtClean="0"/>
               <a:t>11/7/2009</a:t>
             </a:fld>
@@ -3155,77 +3155,6 @@
           </a:graphicData>
         </a:graphic>
       </p:graphicFrame>
-      <p:sp>
-        <p:nvSpPr>
-          <p:cNvPr id="3" name="TextBox"/>
-          <p:cNvSpPr txBox="1">
-            <a:spLocks noGrp="1" noSelect="1" noRot="1" noMove="1"/>
-          </p:cNvSpPr>
-          <p:nvPr/>
-        </p:nvSpPr>
-        <p:spPr>
-          <a:xfrm>
-            <a:off x="1366520" y="2644140"/>
-            <a:ext cx="6411372" cy="1569660"/>
-          </a:xfrm>
-          <a:prstGeom prst="rect">
-            <a:avLst/>
-          </a:prstGeom>
-          <a:noFill/>
-        </p:spPr>
-        <p:txBody>
-          <a:bodyPr wrap="none" rtlCol="0" anchor="ctr" anchorCtr="1">
-            <a:spAutoFit/>
-          </a:bodyPr>
-          <a:lstStyle>
-            <a:lvl1pPr algn="l">
-              <a:lnSpc>
-                <a:spcPct val="150000"/>
-              </a:lnSpc>
-              <a:spcBef>
-                <a:spcPct val="0"/>
-              </a:spcBef>
-              <a:spcAft>
-                <a:spcPct val="0"/>
-              </a:spcAft>
-              <a:defRPr lang="en-US" sz="3200" b="1" noProof="1" dirty="0">
-                <a:solidFill>
-                  <a:prstClr val="red">
-                    <a:lumOff val="30000"/>
-                    <a:alpha val="40000"/>
-                  </a:prstClr>
-                </a:solidFill>
-                <a:effectLst>
-                  <a:outerShdw blurRad="50800" dist="38100" algn="tr" rotWithShape="0">
-                    <a:prstClr val="black">
-                      <a:alpha val="80000"/>
-                    </a:prstClr>
-                  </a:outerShdw>
-                </a:effectLst>
-                <a:latin typeface="Calibri" pitchFamily="34" charset="0"/>
-              </a:defRPr>
-            </a:lvl1pPr>
-          </a:lstStyle>
-          <a:p>
-            <a:pPr algn="ctr"/>
-            <a:r>
-              <a:t>Evaluation only.</a:t>
-            </a:r>
-          </a:p>
-          <a:p>
-            <a:pPr algn="ctr"/>
-            <a:r>
-              <a:t>Created with Aspose.Slides for .NET 4.0 Client Profile 19.5.</a:t>
-            </a:r>
-          </a:p>
-          <a:p>
-            <a:pPr algn="ctr"/>
-            <a:r>
-              <a:t>Copyright 2004-2019Aspose Pty Ltd.</a:t>
-            </a:r>
-          </a:p>
-        </p:txBody>
-      </p:sp>
     </p:spTree>
   </p:cSld>
   <p:clrMapOvr>
@@ -3240,9 +3169,9 @@
 <p:tagLst xmlns:p="http://schemas.openxmlformats.org/presentationml/2006/main">
   <p:tag name="AS_NET" val="4.0.30319.42000"/>
   <p:tag name="AS_OS" val="Microsoft Windows NT 6.2.9200.0"/>
-  <p:tag name="AS_RELEASE_DATE" val="2019.05.17"/>
+  <p:tag name="AS_RELEASE_DATE" val="2019.06.14"/>
   <p:tag name="AS_TITLE" val="Aspose.Slides for .NET 4.0 Client Profile"/>
-  <p:tag name="AS_VERSION" val="19.5"/>
+  <p:tag name="AS_VERSION" val="19.6"/>
 </p:tagLst>
 </file>
 

--- a/Examples/Data/Charts/AsposeChart_out.pptx
+++ b/Examples/Data/Charts/AsposeChart_out.pptx
@@ -1,6 +1,6 @@
 
 <file path=ppt/presentation.xml><?xml version="1.0" encoding="utf-8"?>
-<!--Generated by Aspose.Slides for .NET 19.6-->
+<!--Generated by Aspose.Slides for .NET 21.12-->
 <p:presentation xmlns:r="http://schemas.openxmlformats.org/officeDocument/2006/relationships" xmlns:a="http://schemas.openxmlformats.org/drawingml/2006/main" xmlns:p="http://schemas.openxmlformats.org/presentationml/2006/main" saveSubsetFonts="1">
   <p:sldMasterIdLst>
     <p:sldMasterId id="2147483648" r:id="rId1"/>
@@ -112,7 +112,7 @@
 </file>
 
 <file path=ppt/charts/chart1.xml><?xml version="1.0" encoding="utf-8"?>
-<c:chartSpace xmlns:a="http://schemas.openxmlformats.org/drawingml/2006/main" xmlns:r="http://schemas.openxmlformats.org/officeDocument/2006/relationships" xmlns:c="http://schemas.openxmlformats.org/drawingml/2006/chart">
+<c:chartSpace xmlns:a="http://schemas.openxmlformats.org/drawingml/2006/main" xmlns:r="http://schemas.openxmlformats.org/officeDocument/2006/relationships" xmlns:m="http://schemas.openxmlformats.org/officeDocument/2006/math" xmlns:w="http://schemas.openxmlformats.org/wordprocessingml/2006/main" xmlns:wp="http://schemas.openxmlformats.org/drawingml/2006/wordprocessingDrawing" xmlns:a14="http://schemas.microsoft.com/office/drawing/2010/main" xmlns:c="http://schemas.openxmlformats.org/drawingml/2006/chart">
   <c:date1904 val="0"/>
   <c:lang val="ru-RU"/>
   <c:roundedCorners val="0"/>
@@ -322,11 +322,11 @@
 </file>
 
 <file path=ppt/slideLayouts/slideLayout1.xml><?xml version="1.0" encoding="utf-8"?>
-<p:sldLayout xmlns:a="http://schemas.openxmlformats.org/drawingml/2006/main" xmlns:r="http://schemas.openxmlformats.org/officeDocument/2006/relationships" xmlns:p14="http://schemas.microsoft.com/office/powerpoint/2010/main" xmlns:a14="http://schemas.microsoft.com/office/drawing/2010/main" xmlns:p15="http://schemas.microsoft.com/office/powerpoint/2012/main" xmlns:p159="http://schemas.microsoft.com/office/powerpoint/2015/09/main" xmlns:p="http://schemas.openxmlformats.org/presentationml/2006/main" type="title" preserve="1">
+<p:sldLayout xmlns:a="http://schemas.openxmlformats.org/drawingml/2006/main" xmlns:r="http://schemas.openxmlformats.org/officeDocument/2006/relationships" xmlns:m="http://schemas.openxmlformats.org/officeDocument/2006/math" xmlns:w="http://schemas.openxmlformats.org/wordprocessingml/2006/main" xmlns:wp="http://schemas.openxmlformats.org/drawingml/2006/wordprocessingDrawing" xmlns:a14="http://schemas.microsoft.com/office/drawing/2010/main" xmlns:mc="http://schemas.openxmlformats.org/markup-compatibility/2006" xmlns:p14="http://schemas.microsoft.com/office/powerpoint/2010/main" xmlns:p15="http://schemas.microsoft.com/office/powerpoint/2012/main" xmlns:p159="http://schemas.microsoft.com/office/powerpoint/2015/09/main" xmlns:p="http://schemas.openxmlformats.org/presentationml/2006/main" type="title" preserve="1">
   <p:cSld name="Title Slide">
     <p:spTree>
       <p:nvGrpSpPr>
-        <p:cNvPr id="1" name=""/>
+        <p:cNvPr id="1" name="" title=""/>
         <p:cNvGrpSpPr/>
         <p:nvPr/>
       </p:nvGrpSpPr>
@@ -338,7 +338,7 @@
       </p:grpSpPr>
       <p:sp>
         <p:nvSpPr>
-          <p:cNvPr id="2" name="Title 1"/>
+          <p:cNvPr id="2" name="Title 1" title=""/>
           <p:cNvSpPr>
             <a:spLocks noGrp="1"/>
           </p:cNvSpPr>
@@ -361,7 +361,7 @@
       </p:sp>
       <p:sp>
         <p:nvSpPr>
-          <p:cNvPr id="3" name="Subtitle 2"/>
+          <p:cNvPr id="3" name="Subtitle 2" title=""/>
           <p:cNvSpPr>
             <a:spLocks noGrp="1"/>
           </p:cNvSpPr>
@@ -475,7 +475,7 @@
       </p:sp>
       <p:sp>
         <p:nvSpPr>
-          <p:cNvPr id="4" name="Date Placeholder 3"/>
+          <p:cNvPr id="4" name="Date Placeholder 3" title=""/>
           <p:cNvSpPr>
             <a:spLocks noGrp="1"/>
           </p:cNvSpPr>
@@ -488,7 +488,7 @@
           <a:bodyPr/>
           <a:lstStyle/>
           <a:p>
-            <a:fld id="{30911D1E-9814-4ABB-ACC2-A4DEAEFF6CCC}" type="datetimeFigureOut">
+            <a:fld id="{ABCC48CD-C715-4657-B079-61FA7BB2BB79}" type="datetimeFigureOut">
               <a:rPr lang="en-US" smtClean="0"/>
               <a:t>11/7/2009</a:t>
             </a:fld>
@@ -498,7 +498,7 @@
       </p:sp>
       <p:sp>
         <p:nvSpPr>
-          <p:cNvPr id="5" name="Footer Placeholder 4"/>
+          <p:cNvPr id="5" name="Footer Placeholder 4" title=""/>
           <p:cNvSpPr>
             <a:spLocks noGrp="1"/>
           </p:cNvSpPr>
@@ -517,7 +517,7 @@
       </p:sp>
       <p:sp>
         <p:nvSpPr>
-          <p:cNvPr id="6" name="Slide Number Placeholder 5"/>
+          <p:cNvPr id="6" name="Slide Number Placeholder 5" title=""/>
           <p:cNvSpPr>
             <a:spLocks noGrp="1"/>
           </p:cNvSpPr>
@@ -549,11 +549,11 @@
 </file>
 
 <file path=ppt/slideLayouts/slideLayout10.xml><?xml version="1.0" encoding="utf-8"?>
-<p:sldLayout xmlns:a="http://schemas.openxmlformats.org/drawingml/2006/main" xmlns:r="http://schemas.openxmlformats.org/officeDocument/2006/relationships" xmlns:p14="http://schemas.microsoft.com/office/powerpoint/2010/main" xmlns:a14="http://schemas.microsoft.com/office/drawing/2010/main" xmlns:p15="http://schemas.microsoft.com/office/powerpoint/2012/main" xmlns:p159="http://schemas.microsoft.com/office/powerpoint/2015/09/main" xmlns:p="http://schemas.openxmlformats.org/presentationml/2006/main" type="vertTx" preserve="1">
+<p:sldLayout xmlns:a="http://schemas.openxmlformats.org/drawingml/2006/main" xmlns:r="http://schemas.openxmlformats.org/officeDocument/2006/relationships" xmlns:m="http://schemas.openxmlformats.org/officeDocument/2006/math" xmlns:w="http://schemas.openxmlformats.org/wordprocessingml/2006/main" xmlns:wp="http://schemas.openxmlformats.org/drawingml/2006/wordprocessingDrawing" xmlns:a14="http://schemas.microsoft.com/office/drawing/2010/main" xmlns:mc="http://schemas.openxmlformats.org/markup-compatibility/2006" xmlns:p14="http://schemas.microsoft.com/office/powerpoint/2010/main" xmlns:p15="http://schemas.microsoft.com/office/powerpoint/2012/main" xmlns:p159="http://schemas.microsoft.com/office/powerpoint/2015/09/main" xmlns:p="http://schemas.openxmlformats.org/presentationml/2006/main" type="vertTx" preserve="1">
   <p:cSld name="Title and Vertical Text">
     <p:spTree>
       <p:nvGrpSpPr>
-        <p:cNvPr id="1" name=""/>
+        <p:cNvPr id="1" name="" title=""/>
         <p:cNvGrpSpPr/>
         <p:nvPr/>
       </p:nvGrpSpPr>
@@ -565,7 +565,7 @@
       </p:grpSpPr>
       <p:sp>
         <p:nvSpPr>
-          <p:cNvPr id="2" name="Title 1"/>
+          <p:cNvPr id="2" name="Title 1" title=""/>
           <p:cNvSpPr>
             <a:spLocks noGrp="1"/>
           </p:cNvSpPr>
@@ -588,7 +588,7 @@
       </p:sp>
       <p:sp>
         <p:nvSpPr>
-          <p:cNvPr id="3" name="Vertical Text Placeholder 2"/>
+          <p:cNvPr id="3" name="Vertical Text Placeholder 2" title=""/>
           <p:cNvSpPr>
             <a:spLocks noGrp="1"/>
           </p:cNvSpPr>
@@ -639,7 +639,7 @@
       </p:sp>
       <p:sp>
         <p:nvSpPr>
-          <p:cNvPr id="4" name="Date Placeholder 3"/>
+          <p:cNvPr id="4" name="Date Placeholder 3" title=""/>
           <p:cNvSpPr>
             <a:spLocks noGrp="1"/>
           </p:cNvSpPr>
@@ -652,7 +652,7 @@
           <a:bodyPr/>
           <a:lstStyle/>
           <a:p>
-            <a:fld id="{62655E4F-4988-4D37-922A-1CE211CAD13E}" type="datetimeFigureOut">
+            <a:fld id="{C5EF9EB3-D610-4491-A9C2-2B1890C8253F}" type="datetimeFigureOut">
               <a:rPr lang="en-US" smtClean="0"/>
               <a:t>11/7/2009</a:t>
             </a:fld>
@@ -662,7 +662,7 @@
       </p:sp>
       <p:sp>
         <p:nvSpPr>
-          <p:cNvPr id="5" name="Footer Placeholder 4"/>
+          <p:cNvPr id="5" name="Footer Placeholder 4" title=""/>
           <p:cNvSpPr>
             <a:spLocks noGrp="1"/>
           </p:cNvSpPr>
@@ -681,7 +681,7 @@
       </p:sp>
       <p:sp>
         <p:nvSpPr>
-          <p:cNvPr id="6" name="Slide Number Placeholder 5"/>
+          <p:cNvPr id="6" name="Slide Number Placeholder 5" title=""/>
           <p:cNvSpPr>
             <a:spLocks noGrp="1"/>
           </p:cNvSpPr>
@@ -713,11 +713,11 @@
 </file>
 
 <file path=ppt/slideLayouts/slideLayout11.xml><?xml version="1.0" encoding="utf-8"?>
-<p:sldLayout xmlns:a="http://schemas.openxmlformats.org/drawingml/2006/main" xmlns:r="http://schemas.openxmlformats.org/officeDocument/2006/relationships" xmlns:p14="http://schemas.microsoft.com/office/powerpoint/2010/main" xmlns:a14="http://schemas.microsoft.com/office/drawing/2010/main" xmlns:p15="http://schemas.microsoft.com/office/powerpoint/2012/main" xmlns:p159="http://schemas.microsoft.com/office/powerpoint/2015/09/main" xmlns:p="http://schemas.openxmlformats.org/presentationml/2006/main" type="vertTitleAndTx" preserve="1">
+<p:sldLayout xmlns:a="http://schemas.openxmlformats.org/drawingml/2006/main" xmlns:r="http://schemas.openxmlformats.org/officeDocument/2006/relationships" xmlns:m="http://schemas.openxmlformats.org/officeDocument/2006/math" xmlns:w="http://schemas.openxmlformats.org/wordprocessingml/2006/main" xmlns:wp="http://schemas.openxmlformats.org/drawingml/2006/wordprocessingDrawing" xmlns:a14="http://schemas.microsoft.com/office/drawing/2010/main" xmlns:mc="http://schemas.openxmlformats.org/markup-compatibility/2006" xmlns:p14="http://schemas.microsoft.com/office/powerpoint/2010/main" xmlns:p15="http://schemas.microsoft.com/office/powerpoint/2012/main" xmlns:p159="http://schemas.microsoft.com/office/powerpoint/2015/09/main" xmlns:p="http://schemas.openxmlformats.org/presentationml/2006/main" type="vertTitleAndTx" preserve="1">
   <p:cSld name="Vertical Title and Text">
     <p:spTree>
       <p:nvGrpSpPr>
-        <p:cNvPr id="1" name=""/>
+        <p:cNvPr id="1" name="" title=""/>
         <p:cNvGrpSpPr/>
         <p:nvPr/>
       </p:nvGrpSpPr>
@@ -729,7 +729,7 @@
       </p:grpSpPr>
       <p:sp>
         <p:nvSpPr>
-          <p:cNvPr id="2" name="Vertical Title 1"/>
+          <p:cNvPr id="2" name="Vertical Title 1" title=""/>
           <p:cNvSpPr>
             <a:spLocks noGrp="1"/>
           </p:cNvSpPr>
@@ -752,7 +752,7 @@
       </p:sp>
       <p:sp>
         <p:nvSpPr>
-          <p:cNvPr id="3" name="Vertical Text Placeholder 2"/>
+          <p:cNvPr id="3" name="Vertical Text Placeholder 2" title=""/>
           <p:cNvSpPr>
             <a:spLocks noGrp="1"/>
           </p:cNvSpPr>
@@ -803,7 +803,7 @@
       </p:sp>
       <p:sp>
         <p:nvSpPr>
-          <p:cNvPr id="4" name="Date Placeholder 3"/>
+          <p:cNvPr id="4" name="Date Placeholder 3" title=""/>
           <p:cNvSpPr>
             <a:spLocks noGrp="1"/>
           </p:cNvSpPr>
@@ -816,7 +816,7 @@
           <a:bodyPr/>
           <a:lstStyle/>
           <a:p>
-            <a:fld id="{E2E7B609-8292-42E6-B03F-99000D327450}" type="datetimeFigureOut">
+            <a:fld id="{450D952D-3D31-456B-8775-310E674BE73F}" type="datetimeFigureOut">
               <a:rPr lang="en-US" smtClean="0"/>
               <a:t>11/7/2009</a:t>
             </a:fld>
@@ -826,7 +826,7 @@
       </p:sp>
       <p:sp>
         <p:nvSpPr>
-          <p:cNvPr id="5" name="Footer Placeholder 4"/>
+          <p:cNvPr id="5" name="Footer Placeholder 4" title=""/>
           <p:cNvSpPr>
             <a:spLocks noGrp="1"/>
           </p:cNvSpPr>
@@ -845,7 +845,7 @@
       </p:sp>
       <p:sp>
         <p:nvSpPr>
-          <p:cNvPr id="6" name="Slide Number Placeholder 5"/>
+          <p:cNvPr id="6" name="Slide Number Placeholder 5" title=""/>
           <p:cNvSpPr>
             <a:spLocks noGrp="1"/>
           </p:cNvSpPr>
@@ -877,11 +877,11 @@
 </file>
 
 <file path=ppt/slideLayouts/slideLayout2.xml><?xml version="1.0" encoding="utf-8"?>
-<p:sldLayout xmlns:a="http://schemas.openxmlformats.org/drawingml/2006/main" xmlns:r="http://schemas.openxmlformats.org/officeDocument/2006/relationships" xmlns:p14="http://schemas.microsoft.com/office/powerpoint/2010/main" xmlns:a14="http://schemas.microsoft.com/office/drawing/2010/main" xmlns:p15="http://schemas.microsoft.com/office/powerpoint/2012/main" xmlns:p159="http://schemas.microsoft.com/office/powerpoint/2015/09/main" xmlns:p="http://schemas.openxmlformats.org/presentationml/2006/main" type="obj" preserve="1">
+<p:sldLayout xmlns:a="http://schemas.openxmlformats.org/drawingml/2006/main" xmlns:r="http://schemas.openxmlformats.org/officeDocument/2006/relationships" xmlns:m="http://schemas.openxmlformats.org/officeDocument/2006/math" xmlns:w="http://schemas.openxmlformats.org/wordprocessingml/2006/main" xmlns:wp="http://schemas.openxmlformats.org/drawingml/2006/wordprocessingDrawing" xmlns:a14="http://schemas.microsoft.com/office/drawing/2010/main" xmlns:mc="http://schemas.openxmlformats.org/markup-compatibility/2006" xmlns:p14="http://schemas.microsoft.com/office/powerpoint/2010/main" xmlns:p15="http://schemas.microsoft.com/office/powerpoint/2012/main" xmlns:p159="http://schemas.microsoft.com/office/powerpoint/2015/09/main" xmlns:p="http://schemas.openxmlformats.org/presentationml/2006/main" type="obj" preserve="1">
   <p:cSld name="Title and Content">
     <p:spTree>
       <p:nvGrpSpPr>
-        <p:cNvPr id="1" name=""/>
+        <p:cNvPr id="1" name="" title=""/>
         <p:cNvGrpSpPr/>
         <p:nvPr/>
       </p:nvGrpSpPr>
@@ -893,7 +893,7 @@
       </p:grpSpPr>
       <p:sp>
         <p:nvSpPr>
-          <p:cNvPr id="2" name="Title 1"/>
+          <p:cNvPr id="2" name="Title 1" title=""/>
           <p:cNvSpPr>
             <a:spLocks noGrp="1"/>
           </p:cNvSpPr>
@@ -916,7 +916,7 @@
       </p:sp>
       <p:sp>
         <p:nvSpPr>
-          <p:cNvPr id="3" name="Content Placeholder 2"/>
+          <p:cNvPr id="3" name="Content Placeholder 2" title=""/>
           <p:cNvSpPr>
             <a:spLocks noGrp="1"/>
           </p:cNvSpPr>
@@ -967,7 +967,7 @@
       </p:sp>
       <p:sp>
         <p:nvSpPr>
-          <p:cNvPr id="4" name="Date Placeholder 3"/>
+          <p:cNvPr id="4" name="Date Placeholder 3" title=""/>
           <p:cNvSpPr>
             <a:spLocks noGrp="1"/>
           </p:cNvSpPr>
@@ -980,7 +980,7 @@
           <a:bodyPr/>
           <a:lstStyle/>
           <a:p>
-            <a:fld id="{CB1F5875-8180-4BC2-B831-F715A64C9235}" type="datetimeFigureOut">
+            <a:fld id="{ACAB4F9A-DCCC-4E7E-85A3-0FC41E0C5DA6}" type="datetimeFigureOut">
               <a:rPr lang="en-US" smtClean="0"/>
               <a:t>11/7/2009</a:t>
             </a:fld>
@@ -990,7 +990,7 @@
       </p:sp>
       <p:sp>
         <p:nvSpPr>
-          <p:cNvPr id="5" name="Footer Placeholder 4"/>
+          <p:cNvPr id="5" name="Footer Placeholder 4" title=""/>
           <p:cNvSpPr>
             <a:spLocks noGrp="1"/>
           </p:cNvSpPr>
@@ -1009,7 +1009,7 @@
       </p:sp>
       <p:sp>
         <p:nvSpPr>
-          <p:cNvPr id="6" name="Slide Number Placeholder 5"/>
+          <p:cNvPr id="6" name="Slide Number Placeholder 5" title=""/>
           <p:cNvSpPr>
             <a:spLocks noGrp="1"/>
           </p:cNvSpPr>
@@ -1041,11 +1041,11 @@
 </file>
 
 <file path=ppt/slideLayouts/slideLayout3.xml><?xml version="1.0" encoding="utf-8"?>
-<p:sldLayout xmlns:a="http://schemas.openxmlformats.org/drawingml/2006/main" xmlns:r="http://schemas.openxmlformats.org/officeDocument/2006/relationships" xmlns:p14="http://schemas.microsoft.com/office/powerpoint/2010/main" xmlns:a14="http://schemas.microsoft.com/office/drawing/2010/main" xmlns:p15="http://schemas.microsoft.com/office/powerpoint/2012/main" xmlns:p159="http://schemas.microsoft.com/office/powerpoint/2015/09/main" xmlns:p="http://schemas.openxmlformats.org/presentationml/2006/main" type="secHead" preserve="1">
+<p:sldLayout xmlns:a="http://schemas.openxmlformats.org/drawingml/2006/main" xmlns:r="http://schemas.openxmlformats.org/officeDocument/2006/relationships" xmlns:m="http://schemas.openxmlformats.org/officeDocument/2006/math" xmlns:w="http://schemas.openxmlformats.org/wordprocessingml/2006/main" xmlns:wp="http://schemas.openxmlformats.org/drawingml/2006/wordprocessingDrawing" xmlns:a14="http://schemas.microsoft.com/office/drawing/2010/main" xmlns:mc="http://schemas.openxmlformats.org/markup-compatibility/2006" xmlns:p14="http://schemas.microsoft.com/office/powerpoint/2010/main" xmlns:p15="http://schemas.microsoft.com/office/powerpoint/2012/main" xmlns:p159="http://schemas.microsoft.com/office/powerpoint/2015/09/main" xmlns:p="http://schemas.openxmlformats.org/presentationml/2006/main" type="secHead" preserve="1">
   <p:cSld name="Section Header">
     <p:spTree>
       <p:nvGrpSpPr>
-        <p:cNvPr id="1" name=""/>
+        <p:cNvPr id="1" name="" title=""/>
         <p:cNvGrpSpPr/>
         <p:nvPr/>
       </p:nvGrpSpPr>
@@ -1057,7 +1057,7 @@
       </p:grpSpPr>
       <p:sp>
         <p:nvSpPr>
-          <p:cNvPr id="2" name="Title 1"/>
+          <p:cNvPr id="2" name="Title 1" title=""/>
           <p:cNvSpPr>
             <a:spLocks noGrp="1"/>
           </p:cNvSpPr>
@@ -1084,7 +1084,7 @@
       </p:sp>
       <p:sp>
         <p:nvSpPr>
-          <p:cNvPr id="3" name="Text Placeholder 2"/>
+          <p:cNvPr id="3" name="Text Placeholder 2" title=""/>
           <p:cNvSpPr>
             <a:spLocks noGrp="1"/>
           </p:cNvSpPr>
@@ -1197,7 +1197,7 @@
       </p:sp>
       <p:sp>
         <p:nvSpPr>
-          <p:cNvPr id="4" name="Date Placeholder 3"/>
+          <p:cNvPr id="4" name="Date Placeholder 3" title=""/>
           <p:cNvSpPr>
             <a:spLocks noGrp="1"/>
           </p:cNvSpPr>
@@ -1210,7 +1210,7 @@
           <a:bodyPr/>
           <a:lstStyle/>
           <a:p>
-            <a:fld id="{61B225A8-C447-412E-80FE-6ED2363DC73C}" type="datetimeFigureOut">
+            <a:fld id="{B8448650-ACFE-4E1A-977E-4CBD6C0D79CF}" type="datetimeFigureOut">
               <a:rPr lang="en-US" smtClean="0"/>
               <a:t>11/7/2009</a:t>
             </a:fld>
@@ -1220,7 +1220,7 @@
       </p:sp>
       <p:sp>
         <p:nvSpPr>
-          <p:cNvPr id="5" name="Footer Placeholder 4"/>
+          <p:cNvPr id="5" name="Footer Placeholder 4" title=""/>
           <p:cNvSpPr>
             <a:spLocks noGrp="1"/>
           </p:cNvSpPr>
@@ -1239,7 +1239,7 @@
       </p:sp>
       <p:sp>
         <p:nvSpPr>
-          <p:cNvPr id="6" name="Slide Number Placeholder 5"/>
+          <p:cNvPr id="6" name="Slide Number Placeholder 5" title=""/>
           <p:cNvSpPr>
             <a:spLocks noGrp="1"/>
           </p:cNvSpPr>
@@ -1271,11 +1271,11 @@
 </file>
 
 <file path=ppt/slideLayouts/slideLayout4.xml><?xml version="1.0" encoding="utf-8"?>
-<p:sldLayout xmlns:a="http://schemas.openxmlformats.org/drawingml/2006/main" xmlns:r="http://schemas.openxmlformats.org/officeDocument/2006/relationships" xmlns:p14="http://schemas.microsoft.com/office/powerpoint/2010/main" xmlns:a14="http://schemas.microsoft.com/office/drawing/2010/main" xmlns:p15="http://schemas.microsoft.com/office/powerpoint/2012/main" xmlns:p159="http://schemas.microsoft.com/office/powerpoint/2015/09/main" xmlns:p="http://schemas.openxmlformats.org/presentationml/2006/main" type="twoObj" preserve="1">
+<p:sldLayout xmlns:a="http://schemas.openxmlformats.org/drawingml/2006/main" xmlns:r="http://schemas.openxmlformats.org/officeDocument/2006/relationships" xmlns:m="http://schemas.openxmlformats.org/officeDocument/2006/math" xmlns:w="http://schemas.openxmlformats.org/wordprocessingml/2006/main" xmlns:wp="http://schemas.openxmlformats.org/drawingml/2006/wordprocessingDrawing" xmlns:a14="http://schemas.microsoft.com/office/drawing/2010/main" xmlns:mc="http://schemas.openxmlformats.org/markup-compatibility/2006" xmlns:p14="http://schemas.microsoft.com/office/powerpoint/2010/main" xmlns:p15="http://schemas.microsoft.com/office/powerpoint/2012/main" xmlns:p159="http://schemas.microsoft.com/office/powerpoint/2015/09/main" xmlns:p="http://schemas.openxmlformats.org/presentationml/2006/main" type="twoObj" preserve="1">
   <p:cSld name="Two Content">
     <p:spTree>
       <p:nvGrpSpPr>
-        <p:cNvPr id="1" name=""/>
+        <p:cNvPr id="1" name="" title=""/>
         <p:cNvGrpSpPr/>
         <p:nvPr/>
       </p:nvGrpSpPr>
@@ -1287,7 +1287,7 @@
       </p:grpSpPr>
       <p:sp>
         <p:nvSpPr>
-          <p:cNvPr id="2" name="Title 1"/>
+          <p:cNvPr id="2" name="Title 1" title=""/>
           <p:cNvSpPr>
             <a:spLocks noGrp="1"/>
           </p:cNvSpPr>
@@ -1310,7 +1310,7 @@
       </p:sp>
       <p:sp>
         <p:nvSpPr>
-          <p:cNvPr id="3" name="Content Placeholder 2"/>
+          <p:cNvPr id="3" name="Content Placeholder 2" title=""/>
           <p:cNvSpPr>
             <a:spLocks noGrp="1"/>
           </p:cNvSpPr>
@@ -1389,7 +1389,7 @@
       </p:sp>
       <p:sp>
         <p:nvSpPr>
-          <p:cNvPr id="4" name="Content Placeholder 3"/>
+          <p:cNvPr id="4" name="Content Placeholder 3" title=""/>
           <p:cNvSpPr>
             <a:spLocks noGrp="1"/>
           </p:cNvSpPr>
@@ -1468,7 +1468,7 @@
       </p:sp>
       <p:sp>
         <p:nvSpPr>
-          <p:cNvPr id="5" name="Date Placeholder 4"/>
+          <p:cNvPr id="5" name="Date Placeholder 4" title=""/>
           <p:cNvSpPr>
             <a:spLocks noGrp="1"/>
           </p:cNvSpPr>
@@ -1481,7 +1481,7 @@
           <a:bodyPr/>
           <a:lstStyle/>
           <a:p>
-            <a:fld id="{057E5E8A-CF25-4AE6-9F02-096F09CA7D9F}" type="datetimeFigureOut">
+            <a:fld id="{A4ADD3DB-7433-43A0-A5B1-53EC5F3C561D}" type="datetimeFigureOut">
               <a:rPr lang="en-US" smtClean="0"/>
               <a:t>11/7/2009</a:t>
             </a:fld>
@@ -1491,7 +1491,7 @@
       </p:sp>
       <p:sp>
         <p:nvSpPr>
-          <p:cNvPr id="6" name="Footer Placeholder 5"/>
+          <p:cNvPr id="6" name="Footer Placeholder 5" title=""/>
           <p:cNvSpPr>
             <a:spLocks noGrp="1"/>
           </p:cNvSpPr>
@@ -1510,7 +1510,7 @@
       </p:sp>
       <p:sp>
         <p:nvSpPr>
-          <p:cNvPr id="7" name="Slide Number Placeholder 6"/>
+          <p:cNvPr id="7" name="Slide Number Placeholder 6" title=""/>
           <p:cNvSpPr>
             <a:spLocks noGrp="1"/>
           </p:cNvSpPr>
@@ -1542,11 +1542,11 @@
 </file>
 
 <file path=ppt/slideLayouts/slideLayout5.xml><?xml version="1.0" encoding="utf-8"?>
-<p:sldLayout xmlns:a="http://schemas.openxmlformats.org/drawingml/2006/main" xmlns:r="http://schemas.openxmlformats.org/officeDocument/2006/relationships" xmlns:p14="http://schemas.microsoft.com/office/powerpoint/2010/main" xmlns:a14="http://schemas.microsoft.com/office/drawing/2010/main" xmlns:p15="http://schemas.microsoft.com/office/powerpoint/2012/main" xmlns:p159="http://schemas.microsoft.com/office/powerpoint/2015/09/main" xmlns:p="http://schemas.openxmlformats.org/presentationml/2006/main" type="twoTxTwoObj" preserve="1">
+<p:sldLayout xmlns:a="http://schemas.openxmlformats.org/drawingml/2006/main" xmlns:r="http://schemas.openxmlformats.org/officeDocument/2006/relationships" xmlns:m="http://schemas.openxmlformats.org/officeDocument/2006/math" xmlns:w="http://schemas.openxmlformats.org/wordprocessingml/2006/main" xmlns:wp="http://schemas.openxmlformats.org/drawingml/2006/wordprocessingDrawing" xmlns:a14="http://schemas.microsoft.com/office/drawing/2010/main" xmlns:mc="http://schemas.openxmlformats.org/markup-compatibility/2006" xmlns:p14="http://schemas.microsoft.com/office/powerpoint/2010/main" xmlns:p15="http://schemas.microsoft.com/office/powerpoint/2012/main" xmlns:p159="http://schemas.microsoft.com/office/powerpoint/2015/09/main" xmlns:p="http://schemas.openxmlformats.org/presentationml/2006/main" type="twoTxTwoObj" preserve="1">
   <p:cSld name="Comparison">
     <p:spTree>
       <p:nvGrpSpPr>
-        <p:cNvPr id="1" name=""/>
+        <p:cNvPr id="1" name="" title=""/>
         <p:cNvGrpSpPr/>
         <p:nvPr/>
       </p:nvGrpSpPr>
@@ -1558,7 +1558,7 @@
       </p:grpSpPr>
       <p:sp>
         <p:nvSpPr>
-          <p:cNvPr id="2" name="Title 1"/>
+          <p:cNvPr id="2" name="Title 1" title=""/>
           <p:cNvSpPr>
             <a:spLocks noGrp="1"/>
           </p:cNvSpPr>
@@ -1581,7 +1581,7 @@
       </p:sp>
       <p:sp>
         <p:nvSpPr>
-          <p:cNvPr id="3" name="Text Placeholder 2"/>
+          <p:cNvPr id="3" name="Text Placeholder 2" title=""/>
           <p:cNvSpPr>
             <a:spLocks noGrp="1"/>
           </p:cNvSpPr>
@@ -1640,7 +1640,7 @@
       </p:sp>
       <p:sp>
         <p:nvSpPr>
-          <p:cNvPr id="4" name="Content Placeholder 3"/>
+          <p:cNvPr id="4" name="Content Placeholder 3" title=""/>
           <p:cNvSpPr>
             <a:spLocks noGrp="1"/>
           </p:cNvSpPr>
@@ -1719,7 +1719,7 @@
       </p:sp>
       <p:sp>
         <p:nvSpPr>
-          <p:cNvPr id="5" name="Text Placeholder 4"/>
+          <p:cNvPr id="5" name="Text Placeholder 4" title=""/>
           <p:cNvSpPr>
             <a:spLocks noGrp="1"/>
           </p:cNvSpPr>
@@ -1778,7 +1778,7 @@
       </p:sp>
       <p:sp>
         <p:nvSpPr>
-          <p:cNvPr id="6" name="Content Placeholder 5"/>
+          <p:cNvPr id="6" name="Content Placeholder 5" title=""/>
           <p:cNvSpPr>
             <a:spLocks noGrp="1"/>
           </p:cNvSpPr>
@@ -1857,7 +1857,7 @@
       </p:sp>
       <p:sp>
         <p:nvSpPr>
-          <p:cNvPr id="7" name="Date Placeholder 6"/>
+          <p:cNvPr id="7" name="Date Placeholder 6" title=""/>
           <p:cNvSpPr>
             <a:spLocks noGrp="1"/>
           </p:cNvSpPr>
@@ -1870,7 +1870,7 @@
           <a:bodyPr/>
           <a:lstStyle/>
           <a:p>
-            <a:fld id="{19A5D5A7-5E36-49B0-83D6-E902E7B26BCA}" type="datetimeFigureOut">
+            <a:fld id="{D59434E9-1E36-4E2F-B354-4CDFD91FBB6C}" type="datetimeFigureOut">
               <a:rPr lang="en-US" smtClean="0"/>
               <a:t>11/7/2009</a:t>
             </a:fld>
@@ -1880,7 +1880,7 @@
       </p:sp>
       <p:sp>
         <p:nvSpPr>
-          <p:cNvPr id="8" name="Footer Placeholder 7"/>
+          <p:cNvPr id="8" name="Footer Placeholder 7" title=""/>
           <p:cNvSpPr>
             <a:spLocks noGrp="1"/>
           </p:cNvSpPr>
@@ -1899,7 +1899,7 @@
       </p:sp>
       <p:sp>
         <p:nvSpPr>
-          <p:cNvPr id="9" name="Slide Number Placeholder 8"/>
+          <p:cNvPr id="9" name="Slide Number Placeholder 8" title=""/>
           <p:cNvSpPr>
             <a:spLocks noGrp="1"/>
           </p:cNvSpPr>
@@ -1931,11 +1931,11 @@
 </file>
 
 <file path=ppt/slideLayouts/slideLayout6.xml><?xml version="1.0" encoding="utf-8"?>
-<p:sldLayout xmlns:a="http://schemas.openxmlformats.org/drawingml/2006/main" xmlns:r="http://schemas.openxmlformats.org/officeDocument/2006/relationships" xmlns:p14="http://schemas.microsoft.com/office/powerpoint/2010/main" xmlns:a14="http://schemas.microsoft.com/office/drawing/2010/main" xmlns:p15="http://schemas.microsoft.com/office/powerpoint/2012/main" xmlns:p159="http://schemas.microsoft.com/office/powerpoint/2015/09/main" xmlns:p="http://schemas.openxmlformats.org/presentationml/2006/main" type="titleOnly" preserve="1">
+<p:sldLayout xmlns:a="http://schemas.openxmlformats.org/drawingml/2006/main" xmlns:r="http://schemas.openxmlformats.org/officeDocument/2006/relationships" xmlns:m="http://schemas.openxmlformats.org/officeDocument/2006/math" xmlns:w="http://schemas.openxmlformats.org/wordprocessingml/2006/main" xmlns:wp="http://schemas.openxmlformats.org/drawingml/2006/wordprocessingDrawing" xmlns:a14="http://schemas.microsoft.com/office/drawing/2010/main" xmlns:mc="http://schemas.openxmlformats.org/markup-compatibility/2006" xmlns:p14="http://schemas.microsoft.com/office/powerpoint/2010/main" xmlns:p15="http://schemas.microsoft.com/office/powerpoint/2012/main" xmlns:p159="http://schemas.microsoft.com/office/powerpoint/2015/09/main" xmlns:p="http://schemas.openxmlformats.org/presentationml/2006/main" type="titleOnly" preserve="1">
   <p:cSld name="Title Only">
     <p:spTree>
       <p:nvGrpSpPr>
-        <p:cNvPr id="1" name=""/>
+        <p:cNvPr id="1" name="" title=""/>
         <p:cNvGrpSpPr/>
         <p:nvPr/>
       </p:nvGrpSpPr>
@@ -1947,7 +1947,7 @@
       </p:grpSpPr>
       <p:sp>
         <p:nvSpPr>
-          <p:cNvPr id="2" name="Title 1"/>
+          <p:cNvPr id="2" name="Title 1" title=""/>
           <p:cNvSpPr>
             <a:spLocks noGrp="1"/>
           </p:cNvSpPr>
@@ -1970,7 +1970,7 @@
       </p:sp>
       <p:sp>
         <p:nvSpPr>
-          <p:cNvPr id="3" name="Date Placeholder 2"/>
+          <p:cNvPr id="3" name="Date Placeholder 2" title=""/>
           <p:cNvSpPr>
             <a:spLocks noGrp="1"/>
           </p:cNvSpPr>
@@ -1983,7 +1983,7 @@
           <a:bodyPr/>
           <a:lstStyle/>
           <a:p>
-            <a:fld id="{7D94FCA5-A769-4313-B8C5-0D2BB69532F5}" type="datetimeFigureOut">
+            <a:fld id="{88D7E5E2-38D3-40D2-84D7-4CE66EBAF3FE}" type="datetimeFigureOut">
               <a:rPr lang="en-US" smtClean="0"/>
               <a:t>11/7/2009</a:t>
             </a:fld>
@@ -1993,7 +1993,7 @@
       </p:sp>
       <p:sp>
         <p:nvSpPr>
-          <p:cNvPr id="4" name="Footer Placeholder 3"/>
+          <p:cNvPr id="4" name="Footer Placeholder 3" title=""/>
           <p:cNvSpPr>
             <a:spLocks noGrp="1"/>
           </p:cNvSpPr>
@@ -2012,7 +2012,7 @@
       </p:sp>
       <p:sp>
         <p:nvSpPr>
-          <p:cNvPr id="5" name="Slide Number Placeholder 4"/>
+          <p:cNvPr id="5" name="Slide Number Placeholder 4" title=""/>
           <p:cNvSpPr>
             <a:spLocks noGrp="1"/>
           </p:cNvSpPr>
@@ -2044,11 +2044,11 @@
 </file>
 
 <file path=ppt/slideLayouts/slideLayout7.xml><?xml version="1.0" encoding="utf-8"?>
-<p:sldLayout xmlns:a="http://schemas.openxmlformats.org/drawingml/2006/main" xmlns:r="http://schemas.openxmlformats.org/officeDocument/2006/relationships" xmlns:p14="http://schemas.microsoft.com/office/powerpoint/2010/main" xmlns:a14="http://schemas.microsoft.com/office/drawing/2010/main" xmlns:p15="http://schemas.microsoft.com/office/powerpoint/2012/main" xmlns:p159="http://schemas.microsoft.com/office/powerpoint/2015/09/main" xmlns:p="http://schemas.openxmlformats.org/presentationml/2006/main" type="blank" preserve="1">
+<p:sldLayout xmlns:a="http://schemas.openxmlformats.org/drawingml/2006/main" xmlns:r="http://schemas.openxmlformats.org/officeDocument/2006/relationships" xmlns:m="http://schemas.openxmlformats.org/officeDocument/2006/math" xmlns:w="http://schemas.openxmlformats.org/wordprocessingml/2006/main" xmlns:wp="http://schemas.openxmlformats.org/drawingml/2006/wordprocessingDrawing" xmlns:a14="http://schemas.microsoft.com/office/drawing/2010/main" xmlns:mc="http://schemas.openxmlformats.org/markup-compatibility/2006" xmlns:p14="http://schemas.microsoft.com/office/powerpoint/2010/main" xmlns:p15="http://schemas.microsoft.com/office/powerpoint/2012/main" xmlns:p159="http://schemas.microsoft.com/office/powerpoint/2015/09/main" xmlns:p="http://schemas.openxmlformats.org/presentationml/2006/main" type="blank" preserve="1">
   <p:cSld name="Blank">
     <p:spTree>
       <p:nvGrpSpPr>
-        <p:cNvPr id="1" name=""/>
+        <p:cNvPr id="1" name="" title=""/>
         <p:cNvGrpSpPr/>
         <p:nvPr/>
       </p:nvGrpSpPr>
@@ -2060,7 +2060,7 @@
       </p:grpSpPr>
       <p:sp>
         <p:nvSpPr>
-          <p:cNvPr id="2" name="Date Placeholder 1"/>
+          <p:cNvPr id="2" name="Date Placeholder 1" title=""/>
           <p:cNvSpPr>
             <a:spLocks noGrp="1"/>
           </p:cNvSpPr>
@@ -2073,7 +2073,7 @@
           <a:bodyPr/>
           <a:lstStyle/>
           <a:p>
-            <a:fld id="{2E05CD73-C94B-428E-B5DB-5D126C4668EC}" type="datetimeFigureOut">
+            <a:fld id="{8CAE89E4-D65B-49DA-B7A1-E96466C535B8}" type="datetimeFigureOut">
               <a:rPr lang="en-US" smtClean="0"/>
               <a:t>11/7/2009</a:t>
             </a:fld>
@@ -2083,7 +2083,7 @@
       </p:sp>
       <p:sp>
         <p:nvSpPr>
-          <p:cNvPr id="3" name="Footer Placeholder 2"/>
+          <p:cNvPr id="3" name="Footer Placeholder 2" title=""/>
           <p:cNvSpPr>
             <a:spLocks noGrp="1"/>
           </p:cNvSpPr>
@@ -2102,7 +2102,7 @@
       </p:sp>
       <p:sp>
         <p:nvSpPr>
-          <p:cNvPr id="4" name="Slide Number Placeholder 3"/>
+          <p:cNvPr id="4" name="Slide Number Placeholder 3" title=""/>
           <p:cNvSpPr>
             <a:spLocks noGrp="1"/>
           </p:cNvSpPr>
@@ -2134,11 +2134,11 @@
 </file>
 
 <file path=ppt/slideLayouts/slideLayout8.xml><?xml version="1.0" encoding="utf-8"?>
-<p:sldLayout xmlns:a="http://schemas.openxmlformats.org/drawingml/2006/main" xmlns:r="http://schemas.openxmlformats.org/officeDocument/2006/relationships" xmlns:p14="http://schemas.microsoft.com/office/powerpoint/2010/main" xmlns:a14="http://schemas.microsoft.com/office/drawing/2010/main" xmlns:p15="http://schemas.microsoft.com/office/powerpoint/2012/main" xmlns:p159="http://schemas.microsoft.com/office/powerpoint/2015/09/main" xmlns:p="http://schemas.openxmlformats.org/presentationml/2006/main" type="objTx" preserve="1">
+<p:sldLayout xmlns:a="http://schemas.openxmlformats.org/drawingml/2006/main" xmlns:r="http://schemas.openxmlformats.org/officeDocument/2006/relationships" xmlns:m="http://schemas.openxmlformats.org/officeDocument/2006/math" xmlns:w="http://schemas.openxmlformats.org/wordprocessingml/2006/main" xmlns:wp="http://schemas.openxmlformats.org/drawingml/2006/wordprocessingDrawing" xmlns:a14="http://schemas.microsoft.com/office/drawing/2010/main" xmlns:mc="http://schemas.openxmlformats.org/markup-compatibility/2006" xmlns:p14="http://schemas.microsoft.com/office/powerpoint/2010/main" xmlns:p15="http://schemas.microsoft.com/office/powerpoint/2012/main" xmlns:p159="http://schemas.microsoft.com/office/powerpoint/2015/09/main" xmlns:p="http://schemas.openxmlformats.org/presentationml/2006/main" type="objTx" preserve="1">
   <p:cSld name="Content with Caption">
     <p:spTree>
       <p:nvGrpSpPr>
-        <p:cNvPr id="1" name=""/>
+        <p:cNvPr id="1" name="" title=""/>
         <p:cNvGrpSpPr/>
         <p:nvPr/>
       </p:nvGrpSpPr>
@@ -2150,7 +2150,7 @@
       </p:grpSpPr>
       <p:sp>
         <p:nvSpPr>
-          <p:cNvPr id="2" name="Title 1"/>
+          <p:cNvPr id="2" name="Title 1" title=""/>
           <p:cNvSpPr>
             <a:spLocks noGrp="1"/>
           </p:cNvSpPr>
@@ -2177,7 +2177,7 @@
       </p:sp>
       <p:sp>
         <p:nvSpPr>
-          <p:cNvPr id="3" name="Content Placeholder 2"/>
+          <p:cNvPr id="3" name="Content Placeholder 2" title=""/>
           <p:cNvSpPr>
             <a:spLocks noGrp="1"/>
           </p:cNvSpPr>
@@ -2256,7 +2256,7 @@
       </p:sp>
       <p:sp>
         <p:nvSpPr>
-          <p:cNvPr id="4" name="Text Placeholder 3"/>
+          <p:cNvPr id="4" name="Text Placeholder 3" title=""/>
           <p:cNvSpPr>
             <a:spLocks noGrp="1"/>
           </p:cNvSpPr>
@@ -2315,7 +2315,7 @@
       </p:sp>
       <p:sp>
         <p:nvSpPr>
-          <p:cNvPr id="5" name="Date Placeholder 4"/>
+          <p:cNvPr id="5" name="Date Placeholder 4" title=""/>
           <p:cNvSpPr>
             <a:spLocks noGrp="1"/>
           </p:cNvSpPr>
@@ -2328,7 +2328,7 @@
           <a:bodyPr/>
           <a:lstStyle/>
           <a:p>
-            <a:fld id="{A6ADE404-DEB7-4D7C-A6BF-B8E416955937}" type="datetimeFigureOut">
+            <a:fld id="{D6CA39E4-7847-4011-AD87-FF735FCFCEA2}" type="datetimeFigureOut">
               <a:rPr lang="en-US" smtClean="0"/>
               <a:t>11/7/2009</a:t>
             </a:fld>
@@ -2338,7 +2338,7 @@
       </p:sp>
       <p:sp>
         <p:nvSpPr>
-          <p:cNvPr id="6" name="Footer Placeholder 5"/>
+          <p:cNvPr id="6" name="Footer Placeholder 5" title=""/>
           <p:cNvSpPr>
             <a:spLocks noGrp="1"/>
           </p:cNvSpPr>
@@ -2357,7 +2357,7 @@
       </p:sp>
       <p:sp>
         <p:nvSpPr>
-          <p:cNvPr id="7" name="Slide Number Placeholder 6"/>
+          <p:cNvPr id="7" name="Slide Number Placeholder 6" title=""/>
           <p:cNvSpPr>
             <a:spLocks noGrp="1"/>
           </p:cNvSpPr>
@@ -2389,11 +2389,11 @@
 </file>
 
 <file path=ppt/slideLayouts/slideLayout9.xml><?xml version="1.0" encoding="utf-8"?>
-<p:sldLayout xmlns:a="http://schemas.openxmlformats.org/drawingml/2006/main" xmlns:r="http://schemas.openxmlformats.org/officeDocument/2006/relationships" xmlns:p14="http://schemas.microsoft.com/office/powerpoint/2010/main" xmlns:a14="http://schemas.microsoft.com/office/drawing/2010/main" xmlns:p15="http://schemas.microsoft.com/office/powerpoint/2012/main" xmlns:p159="http://schemas.microsoft.com/office/powerpoint/2015/09/main" xmlns:p="http://schemas.openxmlformats.org/presentationml/2006/main" type="picTx" preserve="1">
+<p:sldLayout xmlns:a="http://schemas.openxmlformats.org/drawingml/2006/main" xmlns:r="http://schemas.openxmlformats.org/officeDocument/2006/relationships" xmlns:m="http://schemas.openxmlformats.org/officeDocument/2006/math" xmlns:w="http://schemas.openxmlformats.org/wordprocessingml/2006/main" xmlns:wp="http://schemas.openxmlformats.org/drawingml/2006/wordprocessingDrawing" xmlns:a14="http://schemas.microsoft.com/office/drawing/2010/main" xmlns:mc="http://schemas.openxmlformats.org/markup-compatibility/2006" xmlns:p14="http://schemas.microsoft.com/office/powerpoint/2010/main" xmlns:p15="http://schemas.microsoft.com/office/powerpoint/2012/main" xmlns:p159="http://schemas.microsoft.com/office/powerpoint/2015/09/main" xmlns:p="http://schemas.openxmlformats.org/presentationml/2006/main" type="picTx" preserve="1">
   <p:cSld name="Picture with Caption">
     <p:spTree>
       <p:nvGrpSpPr>
-        <p:cNvPr id="1" name=""/>
+        <p:cNvPr id="1" name="" title=""/>
         <p:cNvGrpSpPr/>
         <p:nvPr/>
       </p:nvGrpSpPr>
@@ -2405,7 +2405,7 @@
       </p:grpSpPr>
       <p:sp>
         <p:nvSpPr>
-          <p:cNvPr id="2" name="Title 1"/>
+          <p:cNvPr id="2" name="Title 1" title=""/>
           <p:cNvSpPr>
             <a:spLocks noGrp="1"/>
           </p:cNvSpPr>
@@ -2432,7 +2432,7 @@
       </p:sp>
       <p:sp>
         <p:nvSpPr>
-          <p:cNvPr id="3" name="Picture Placeholder 2"/>
+          <p:cNvPr id="3" name="Picture Placeholder 2" title=""/>
           <p:cNvSpPr>
             <a:spLocks noGrp="1"/>
           </p:cNvSpPr>
@@ -2488,7 +2488,7 @@
       </p:sp>
       <p:sp>
         <p:nvSpPr>
-          <p:cNvPr id="4" name="Text Placeholder 3"/>
+          <p:cNvPr id="4" name="Text Placeholder 3" title=""/>
           <p:cNvSpPr>
             <a:spLocks noGrp="1"/>
           </p:cNvSpPr>
@@ -2547,7 +2547,7 @@
       </p:sp>
       <p:sp>
         <p:nvSpPr>
-          <p:cNvPr id="5" name="Date Placeholder 4"/>
+          <p:cNvPr id="5" name="Date Placeholder 4" title=""/>
           <p:cNvSpPr>
             <a:spLocks noGrp="1"/>
           </p:cNvSpPr>
@@ -2560,7 +2560,7 @@
           <a:bodyPr/>
           <a:lstStyle/>
           <a:p>
-            <a:fld id="{D698E351-1A09-4185-BEB3-9EFB175DDEB0}" type="datetimeFigureOut">
+            <a:fld id="{55B63F54-D7EF-43C8-A6B5-CE58C2FB0BD6}" type="datetimeFigureOut">
               <a:rPr lang="en-US" smtClean="0"/>
               <a:t>11/7/2009</a:t>
             </a:fld>
@@ -2570,7 +2570,7 @@
       </p:sp>
       <p:sp>
         <p:nvSpPr>
-          <p:cNvPr id="6" name="Footer Placeholder 5"/>
+          <p:cNvPr id="6" name="Footer Placeholder 5" title=""/>
           <p:cNvSpPr>
             <a:spLocks noGrp="1"/>
           </p:cNvSpPr>
@@ -2589,7 +2589,7 @@
       </p:sp>
       <p:sp>
         <p:nvSpPr>
-          <p:cNvPr id="7" name="Slide Number Placeholder 6"/>
+          <p:cNvPr id="7" name="Slide Number Placeholder 6" title=""/>
           <p:cNvSpPr>
             <a:spLocks noGrp="1"/>
           </p:cNvSpPr>
@@ -2621,7 +2621,7 @@
 </file>
 
 <file path=ppt/slideMasters/slideMaster1.xml><?xml version="1.0" encoding="utf-8"?>
-<p:sldMaster xmlns:a="http://schemas.openxmlformats.org/drawingml/2006/main" xmlns:r="http://schemas.openxmlformats.org/officeDocument/2006/relationships" xmlns:p14="http://schemas.microsoft.com/office/powerpoint/2010/main" xmlns:a14="http://schemas.microsoft.com/office/drawing/2010/main" xmlns:p15="http://schemas.microsoft.com/office/powerpoint/2012/main" xmlns:p159="http://schemas.microsoft.com/office/powerpoint/2015/09/main" xmlns:p="http://schemas.openxmlformats.org/presentationml/2006/main">
+<p:sldMaster xmlns:a="http://schemas.openxmlformats.org/drawingml/2006/main" xmlns:r="http://schemas.openxmlformats.org/officeDocument/2006/relationships" xmlns:m="http://schemas.openxmlformats.org/officeDocument/2006/math" xmlns:w="http://schemas.openxmlformats.org/wordprocessingml/2006/main" xmlns:wp="http://schemas.openxmlformats.org/drawingml/2006/wordprocessingDrawing" xmlns:a14="http://schemas.microsoft.com/office/drawing/2010/main" xmlns:mc="http://schemas.openxmlformats.org/markup-compatibility/2006" xmlns:p14="http://schemas.microsoft.com/office/powerpoint/2010/main" xmlns:p15="http://schemas.microsoft.com/office/powerpoint/2012/main" xmlns:p159="http://schemas.microsoft.com/office/powerpoint/2015/09/main" xmlns:p="http://schemas.openxmlformats.org/presentationml/2006/main">
   <p:cSld>
     <p:bg>
       <p:bgRef idx="1001">
@@ -2630,7 +2630,7 @@
     </p:bg>
     <p:spTree>
       <p:nvGrpSpPr>
-        <p:cNvPr id="1" name=""/>
+        <p:cNvPr id="1" name="" title=""/>
         <p:cNvGrpSpPr/>
         <p:nvPr/>
       </p:nvGrpSpPr>
@@ -2642,7 +2642,7 @@
       </p:grpSpPr>
       <p:sp>
         <p:nvSpPr>
-          <p:cNvPr id="2" name="Title Placeholder 1"/>
+          <p:cNvPr id="2" name="Title Placeholder 1" title=""/>
           <p:cNvSpPr>
             <a:spLocks noGrp="1"/>
           </p:cNvSpPr>
@@ -2675,7 +2675,7 @@
       </p:sp>
       <p:sp>
         <p:nvSpPr>
-          <p:cNvPr id="3" name="Text Placeholder 2"/>
+          <p:cNvPr id="3" name="Text Placeholder 2" title=""/>
           <p:cNvSpPr>
             <a:spLocks noGrp="1"/>
           </p:cNvSpPr>
@@ -2736,7 +2736,7 @@
       </p:sp>
       <p:sp>
         <p:nvSpPr>
-          <p:cNvPr id="4" name="Date Placeholder 3"/>
+          <p:cNvPr id="4" name="Date Placeholder 3" title=""/>
           <p:cNvSpPr>
             <a:spLocks noGrp="1"/>
           </p:cNvSpPr>
@@ -2777,7 +2777,7 @@
       </p:sp>
       <p:sp>
         <p:nvSpPr>
-          <p:cNvPr id="5" name="Footer Placeholder 4"/>
+          <p:cNvPr id="5" name="Footer Placeholder 4" title=""/>
           <p:cNvSpPr>
             <a:spLocks noGrp="1"/>
           </p:cNvSpPr>
@@ -2814,7 +2814,7 @@
       </p:sp>
       <p:sp>
         <p:nvSpPr>
-          <p:cNvPr id="6" name="Slide Number Placeholder 5"/>
+          <p:cNvPr id="6" name="Slide Number Placeholder 5" title=""/>
           <p:cNvSpPr>
             <a:spLocks noGrp="1"/>
           </p:cNvSpPr>
@@ -3125,11 +3125,11 @@
 </file>
 
 <file path=ppt/slides/slide1.xml><?xml version="1.0" encoding="utf-8"?>
-<p:sld xmlns:a="http://schemas.openxmlformats.org/drawingml/2006/main" xmlns:r="http://schemas.openxmlformats.org/officeDocument/2006/relationships" xmlns:p14="http://schemas.microsoft.com/office/powerpoint/2010/main" xmlns:a14="http://schemas.microsoft.com/office/drawing/2010/main" xmlns:p15="http://schemas.microsoft.com/office/powerpoint/2012/main" xmlns:p159="http://schemas.microsoft.com/office/powerpoint/2015/09/main" xmlns:p="http://schemas.openxmlformats.org/presentationml/2006/main">
+<p:sld xmlns:a="http://schemas.openxmlformats.org/drawingml/2006/main" xmlns:r="http://schemas.openxmlformats.org/officeDocument/2006/relationships" xmlns:m="http://schemas.openxmlformats.org/officeDocument/2006/math" xmlns:w="http://schemas.openxmlformats.org/wordprocessingml/2006/main" xmlns:wp="http://schemas.openxmlformats.org/drawingml/2006/wordprocessingDrawing" xmlns:a14="http://schemas.microsoft.com/office/drawing/2010/main" xmlns:mc="http://schemas.openxmlformats.org/markup-compatibility/2006" xmlns:p14="http://schemas.microsoft.com/office/powerpoint/2010/main" xmlns:p15="http://schemas.microsoft.com/office/powerpoint/2012/main" xmlns:p159="http://schemas.microsoft.com/office/powerpoint/2015/09/main" xmlns:p="http://schemas.openxmlformats.org/presentationml/2006/main">
   <p:cSld name="">
     <p:spTree>
       <p:nvGrpSpPr>
-        <p:cNvPr id="1" name=""/>
+        <p:cNvPr id="1" name="" title=""/>
         <p:cNvGrpSpPr/>
         <p:nvPr/>
       </p:nvGrpSpPr>
@@ -3141,7 +3141,7 @@
       </p:grpSpPr>
       <p:graphicFrame>
         <p:nvGraphicFramePr>
-          <p:cNvPr id="2" name="ChartObject"/>
+          <p:cNvPr id="2" name="ChartObject" title=""/>
           <p:cNvGraphicFramePr/>
           <p:nvPr/>
         </p:nvGraphicFramePr>
@@ -3155,6 +3155,77 @@
           </a:graphicData>
         </a:graphic>
       </p:graphicFrame>
+      <p:sp>
+        <p:nvSpPr>
+          <p:cNvPr id="3" name="TextBox"/>
+          <p:cNvSpPr txBox="1">
+            <a:spLocks noGrp="1" noSelect="1" noRot="1" noMove="1"/>
+          </p:cNvSpPr>
+          <p:nvPr/>
+        </p:nvSpPr>
+        <p:spPr>
+          <a:xfrm>
+            <a:off x="1366520" y="2644140"/>
+            <a:ext cx="6411372" cy="1569660"/>
+          </a:xfrm>
+          <a:prstGeom prst="rect">
+            <a:avLst/>
+          </a:prstGeom>
+          <a:noFill/>
+        </p:spPr>
+        <p:txBody>
+          <a:bodyPr wrap="none" rtlCol="0" anchor="ctr" anchorCtr="1">
+            <a:spAutoFit/>
+          </a:bodyPr>
+          <a:lstStyle>
+            <a:lvl1pPr algn="l">
+              <a:lnSpc>
+                <a:spcPct val="150000"/>
+              </a:lnSpc>
+              <a:spcBef>
+                <a:spcPct val="0"/>
+              </a:spcBef>
+              <a:spcAft>
+                <a:spcPct val="0"/>
+              </a:spcAft>
+              <a:defRPr lang="en-US" sz="3200" b="1" noProof="1" dirty="0">
+                <a:solidFill>
+                  <a:prstClr val="red">
+                    <a:lumOff val="30000"/>
+                    <a:alpha val="40000"/>
+                  </a:prstClr>
+                </a:solidFill>
+                <a:effectLst>
+                  <a:outerShdw blurRad="50800" dist="38100" algn="tr" rotWithShape="0">
+                    <a:prstClr val="black">
+                      <a:alpha val="80000"/>
+                    </a:prstClr>
+                  </a:outerShdw>
+                </a:effectLst>
+                <a:latin typeface="Calibri" pitchFamily="34" charset="0"/>
+              </a:defRPr>
+            </a:lvl1pPr>
+          </a:lstStyle>
+          <a:p>
+            <a:pPr algn="ctr"/>
+            <a:r>
+              <a:t>Evaluation only.</a:t>
+            </a:r>
+          </a:p>
+          <a:p>
+            <a:pPr algn="ctr"/>
+            <a:r>
+              <a:t>Created with Aspose.Slides for .NET 4.0 Client Profile 21.12.</a:t>
+            </a:r>
+          </a:p>
+          <a:p>
+            <a:pPr algn="ctr"/>
+            <a:r>
+              <a:t>Copyright 2004-2021Aspose Pty Ltd.</a:t>
+            </a:r>
+          </a:p>
+        </p:txBody>
+      </p:sp>
     </p:spTree>
   </p:cSld>
   <p:clrMapOvr>
@@ -3168,10 +3239,10 @@
 <file path=ppt/tags/tag1.xml><?xml version="1.0" encoding="utf-8"?>
 <p:tagLst xmlns:p="http://schemas.openxmlformats.org/presentationml/2006/main">
   <p:tag name="AS_NET" val="4.0.30319.42000"/>
-  <p:tag name="AS_OS" val="Microsoft Windows NT 6.2.9200.0"/>
-  <p:tag name="AS_RELEASE_DATE" val="2019.06.14"/>
+  <p:tag name="AS_OS" val="Microsoft Windows NT 6.3.9600.0"/>
+  <p:tag name="AS_RELEASE_DATE" val="2021.12.14"/>
   <p:tag name="AS_TITLE" val="Aspose.Slides for .NET 4.0 Client Profile"/>
-  <p:tag name="AS_VERSION" val="19.6"/>
+  <p:tag name="AS_VERSION" val="21.12"/>
 </p:tagLst>
 </file>
 
